--- a/src/erd/추가프로그램.pptx
+++ b/src/erd/추가프로그램.pptx
@@ -106,6 +106,11 @@
       </a:defRPr>
     </a:lvl9pPr>
   </p:defaultTextStyle>
+  <p:extLst>
+    <p:ext uri="{EFAFB233-063F-42B5-8137-9DF3F51BA10A}">
+      <p15:sldGuideLst xmlns:p15="http://schemas.microsoft.com/office/powerpoint/2012/main"/>
+    </p:ext>
+  </p:extLst>
 </p:presentation>
 </file>
 
@@ -3417,7 +3422,7 @@
         </p:blipFill>
         <p:spPr>
           <a:xfrm>
-            <a:off x="3712100" y="936000"/>
+            <a:off x="3712100" y="952626"/>
             <a:ext cx="200025" cy="212779"/>
           </a:xfrm>
           <a:prstGeom prst="rect">
@@ -3500,7 +3505,7 @@
         </p:blipFill>
         <p:spPr>
           <a:xfrm>
-            <a:off x="5509417" y="936000"/>
+            <a:off x="5509417" y="952626"/>
             <a:ext cx="180975" cy="222030"/>
           </a:xfrm>
           <a:prstGeom prst="rect">
@@ -3583,7 +3588,7 @@
         </p:blipFill>
         <p:spPr>
           <a:xfrm>
-            <a:off x="6728729" y="936000"/>
+            <a:off x="6728729" y="952626"/>
             <a:ext cx="180975" cy="222030"/>
           </a:xfrm>
           <a:prstGeom prst="rect">
@@ -6206,11 +6211,7 @@
             </a:r>
             <a:r>
               <a:rPr lang="ko-KR" altLang="en-US" sz="1000" dirty="0" smtClean="0"/>
-              <a:t> </a:t>
-            </a:r>
-            <a:r>
-              <a:rPr lang="ko-KR" altLang="en-US" sz="1000" dirty="0" smtClean="0"/>
-              <a:t>등록된 환자의 수</a:t>
+              <a:t> 등록된 환자의 수</a:t>
             </a:r>
             <a:endParaRPr lang="en-US" altLang="ko-KR" sz="1000" dirty="0" smtClean="0"/>
           </a:p>
@@ -6228,11 +6229,7 @@
             </a:r>
             <a:r>
               <a:rPr lang="ko-KR" altLang="en-US" sz="1000" dirty="0" smtClean="0"/>
-              <a:t> </a:t>
-            </a:r>
-            <a:r>
-              <a:rPr lang="ko-KR" altLang="en-US" sz="1000" dirty="0" smtClean="0"/>
-              <a:t>검사를 진행한 환자의 수</a:t>
+              <a:t> 검사를 진행한 환자의 수</a:t>
             </a:r>
             <a:endParaRPr lang="en-US" altLang="ko-KR" sz="1000" dirty="0" smtClean="0"/>
           </a:p>
@@ -6250,11 +6247,7 @@
             </a:r>
             <a:r>
               <a:rPr lang="ko-KR" altLang="en-US" sz="1000" dirty="0" smtClean="0"/>
-              <a:t> </a:t>
-            </a:r>
-            <a:r>
-              <a:rPr lang="ko-KR" altLang="en-US" sz="1000" dirty="0" smtClean="0"/>
-              <a:t>특정 검사를 진행한 횟수</a:t>
+              <a:t> 특정 검사를 진행한 횟수</a:t>
             </a:r>
             <a:endParaRPr lang="en-US" altLang="ko-KR" sz="1000" dirty="0" smtClean="0"/>
           </a:p>
